--- a/apresentacao_pitch.pptx
+++ b/apresentacao_pitch.pptx
@@ -109,6 +109,11 @@
       </a:defRPr>
     </a:lvl9pPr>
   </p:defaultTextStyle>
+  <p:extLst>
+    <p:ext uri="{EFAFB233-063F-42B5-8137-9DF3F51BA10A}">
+      <p15:sldGuideLst xmlns:p15="http://schemas.microsoft.com/office/powerpoint/2012/main"/>
+    </p:ext>
+  </p:extLst>
 </p:presentation>
 </file>
 
@@ -7528,8 +7533,8 @@
         </p:blipFill>
         <p:spPr>
           <a:xfrm>
-            <a:off x="7990568" y="2286001"/>
-            <a:ext cx="3860171" cy="3855489"/>
+            <a:off x="6775153" y="646043"/>
+            <a:ext cx="5314857" cy="5308411"/>
           </a:xfrm>
           <a:custGeom>
             <a:avLst/>
@@ -8608,36 +8613,6 @@
           </a:fontRef>
         </p:style>
       </p:sp>
-      <p:pic>
-        <p:nvPicPr>
-          <p:cNvPr id="7" name="Picture 6" descr="Chart, histogram&#10;&#10;Description automatically generated">
-            <a:extLst>
-              <a:ext uri="{FF2B5EF4-FFF2-40B4-BE49-F238E27FC236}">
-                <a16:creationId xmlns:a16="http://schemas.microsoft.com/office/drawing/2014/main" id="{DF32FC74-B323-3E42-AF33-B9BBB839C607}"/>
-              </a:ext>
-            </a:extLst>
-          </p:cNvPr>
-          <p:cNvPicPr>
-            <a:picLocks noChangeAspect="1"/>
-          </p:cNvPicPr>
-          <p:nvPr/>
-        </p:nvPicPr>
-        <p:blipFill>
-          <a:blip r:embed="rId3"/>
-          <a:stretch>
-            <a:fillRect/>
-          </a:stretch>
-        </p:blipFill>
-        <p:spPr>
-          <a:xfrm>
-            <a:off x="6238104" y="-548561"/>
-            <a:ext cx="3860172" cy="3860172"/>
-          </a:xfrm>
-          <a:prstGeom prst="rect">
-            <a:avLst/>
-          </a:prstGeom>
-        </p:spPr>
-      </p:pic>
       <p:sp>
         <p:nvSpPr>
           <p:cNvPr id="8" name="TextBox 7">
@@ -8652,7 +8627,7 @@
         </p:nvSpPr>
         <p:spPr>
           <a:xfrm>
-            <a:off x="8587596" y="5200509"/>
+            <a:off x="8141834" y="4680963"/>
             <a:ext cx="2666114" cy="215444"/>
           </a:xfrm>
           <a:prstGeom prst="rect">
@@ -8929,15 +8904,15 @@
             </a:r>
             <a:r>
               <a:rPr lang="en-US" sz="1300" dirty="0" err="1"/>
-              <a:t>sofreu</a:t>
+              <a:t>foi</a:t>
             </a:r>
             <a:r>
               <a:rPr lang="en-US" sz="1300" dirty="0"/>
-              <a:t> com a </a:t>
+              <a:t> salvo por </a:t>
             </a:r>
             <a:r>
               <a:rPr lang="en-US" sz="1300" dirty="0" err="1"/>
-              <a:t>caça</a:t>
+              <a:t>deuses</a:t>
             </a:r>
             <a:r>
               <a:rPr lang="en-US" sz="1300" dirty="0"/>
@@ -8945,23 +8920,23 @@
             </a:r>
             <a:r>
               <a:rPr lang="en-US" sz="1300" dirty="0" err="1"/>
-              <a:t>ilegal</a:t>
+              <a:t>tupi</a:t>
             </a:r>
             <a:r>
               <a:rPr lang="en-US" sz="1300" dirty="0"/>
-              <a:t> e </a:t>
+              <a:t> guaranis e </a:t>
             </a:r>
             <a:r>
               <a:rPr lang="en-US" sz="1300" dirty="0" err="1"/>
-              <a:t>foi</a:t>
+              <a:t>graças</a:t>
             </a:r>
             <a:r>
               <a:rPr lang="en-US" sz="1300" dirty="0"/>
-              <a:t> salvo </a:t>
+              <a:t> a </a:t>
             </a:r>
             <a:r>
               <a:rPr lang="en-US" sz="1300" dirty="0" err="1"/>
-              <a:t>pelas</a:t>
+              <a:t>isso</a:t>
             </a:r>
             <a:r>
               <a:rPr lang="en-US" sz="1300" dirty="0"/>
@@ -8969,15 +8944,7 @@
             </a:r>
             <a:r>
               <a:rPr lang="en-US" sz="1300" dirty="0" err="1"/>
-              <a:t>mãos</a:t>
-            </a:r>
-            <a:r>
-              <a:rPr lang="en-US" sz="1300" dirty="0"/>
-              <a:t> da </a:t>
-            </a:r>
-            <a:r>
-              <a:rPr lang="en-US" sz="1300" dirty="0" err="1"/>
-              <a:t>deusa</a:t>
+              <a:t>ele</a:t>
             </a:r>
             <a:r>
               <a:rPr lang="en-US" sz="1300" dirty="0"/>
@@ -8985,15 +8952,7 @@
             </a:r>
             <a:r>
               <a:rPr lang="en-US" sz="1300" dirty="0" err="1"/>
-              <a:t>Ceuci</a:t>
-            </a:r>
-            <a:r>
-              <a:rPr lang="en-US" sz="1300" dirty="0"/>
-              <a:t>, </a:t>
-            </a:r>
-            <a:r>
-              <a:rPr lang="en-US" sz="1300" dirty="0" err="1"/>
-              <a:t>depois</a:t>
+              <a:t>recebeu</a:t>
             </a:r>
             <a:r>
               <a:rPr lang="en-US" sz="1300" dirty="0"/>
@@ -9001,15 +8960,31 @@
             </a:r>
             <a:r>
               <a:rPr lang="en-US" sz="1300" dirty="0" err="1"/>
-              <a:t>passou</a:t>
+              <a:t>poderes</a:t>
             </a:r>
             <a:r>
               <a:rPr lang="en-US" sz="1300" dirty="0"/>
-              <a:t> a se </a:t>
+              <a:t> </a:t>
             </a:r>
             <a:r>
               <a:rPr lang="en-US" sz="1300" dirty="0" err="1"/>
-              <a:t>dedicar</a:t>
+              <a:t>magicos</a:t>
+            </a:r>
+            <a:r>
+              <a:rPr lang="en-US" sz="1300" dirty="0"/>
+              <a:t> que </a:t>
+            </a:r>
+            <a:r>
+              <a:rPr lang="en-US" sz="1300" dirty="0" err="1"/>
+              <a:t>utiliza</a:t>
+            </a:r>
+            <a:r>
+              <a:rPr lang="en-US" sz="1300" dirty="0"/>
+              <a:t> para </a:t>
+            </a:r>
+            <a:r>
+              <a:rPr lang="en-US" sz="1300" dirty="0" err="1"/>
+              <a:t>ajudar</a:t>
             </a:r>
             <a:r>
               <a:rPr lang="en-US" sz="1300" dirty="0"/>
@@ -9017,15 +8992,7 @@
             </a:r>
             <a:r>
               <a:rPr lang="en-US" sz="1300" dirty="0" err="1"/>
-              <a:t>proteção</a:t>
-            </a:r>
-            <a:r>
-              <a:rPr lang="en-US" sz="1300" dirty="0"/>
-              <a:t> da </a:t>
-            </a:r>
-            <a:r>
-              <a:rPr lang="en-US" sz="1300" dirty="0" err="1"/>
-              <a:t>floresta</a:t>
+              <a:t>proteger</a:t>
             </a:r>
             <a:r>
               <a:rPr lang="en-US" sz="1300" dirty="0"/>
@@ -9033,15 +9000,7 @@
             </a:r>
             <a:r>
               <a:rPr lang="en-US" sz="1300" dirty="0" err="1"/>
-              <a:t>amazônica</a:t>
-            </a:r>
-            <a:r>
-              <a:rPr lang="en-US" sz="1300" dirty="0"/>
-              <a:t>. </a:t>
-            </a:r>
-            <a:r>
-              <a:rPr lang="en-US" sz="1300" dirty="0" err="1"/>
-              <a:t>Recentemente</a:t>
+              <a:t>vilareijos</a:t>
             </a:r>
             <a:r>
               <a:rPr lang="en-US" sz="1300" dirty="0"/>
@@ -9049,156 +9008,12 @@
             </a:r>
             <a:r>
               <a:rPr lang="en-US" sz="1300" dirty="0" err="1"/>
-              <a:t>madeireiros</a:t>
-            </a:r>
-            <a:r>
-              <a:rPr lang="en-US" sz="1300" dirty="0"/>
-              <a:t> e </a:t>
-            </a:r>
-            <a:r>
-              <a:rPr lang="en-US" sz="1300" dirty="0" err="1"/>
-              <a:t>mineradores</a:t>
-            </a:r>
-            <a:r>
-              <a:rPr lang="en-US" sz="1300" dirty="0"/>
-              <a:t> </a:t>
-            </a:r>
-            <a:r>
-              <a:rPr lang="en-US" sz="1300" dirty="0" err="1"/>
-              <a:t>começaram</a:t>
-            </a:r>
-            <a:r>
-              <a:rPr lang="en-US" sz="1300" dirty="0"/>
-              <a:t> a </a:t>
-            </a:r>
-            <a:r>
-              <a:rPr lang="en-US" sz="1300" dirty="0" err="1"/>
-              <a:t>tentar</a:t>
-            </a:r>
-            <a:r>
-              <a:rPr lang="en-US" sz="1300" dirty="0"/>
-              <a:t> </a:t>
-            </a:r>
-            <a:r>
-              <a:rPr lang="en-US" sz="1300" dirty="0" err="1"/>
-              <a:t>invadir</a:t>
-            </a:r>
-            <a:r>
-              <a:rPr lang="en-US" sz="1300" dirty="0"/>
-              <a:t> as </a:t>
-            </a:r>
-            <a:r>
-              <a:rPr lang="en-US" sz="1300" dirty="0" err="1"/>
-              <a:t>aldeias</a:t>
-            </a:r>
-            <a:r>
-              <a:rPr lang="en-US" sz="1300" dirty="0"/>
-              <a:t> </a:t>
-            </a:r>
-            <a:r>
-              <a:rPr lang="en-US" sz="1300" dirty="0" err="1"/>
               <a:t>indígenas</a:t>
-            </a:r>
-            <a:r>
-              <a:rPr lang="en-US" sz="1300" dirty="0"/>
-              <a:t> para </a:t>
-            </a:r>
-            <a:r>
-              <a:rPr lang="en-US" sz="1300" dirty="0" err="1"/>
-              <a:t>conseguir</a:t>
-            </a:r>
-            <a:r>
-              <a:rPr lang="en-US" sz="1300" dirty="0"/>
-              <a:t> </a:t>
-            </a:r>
-            <a:r>
-              <a:rPr lang="en-US" sz="1300" dirty="0" err="1"/>
-              <a:t>explorar</a:t>
-            </a:r>
-            <a:r>
-              <a:rPr lang="en-US" sz="1300" dirty="0"/>
-              <a:t> flora local. </a:t>
-            </a:r>
-            <a:r>
-              <a:rPr lang="en-US" sz="1300" dirty="0" err="1"/>
-              <a:t>Guaraná</a:t>
-            </a:r>
-            <a:r>
-              <a:rPr lang="en-US" sz="1300" dirty="0"/>
-              <a:t> </a:t>
-            </a:r>
-            <a:r>
-              <a:rPr lang="en-US" sz="1300" dirty="0" err="1"/>
-              <a:t>deve</a:t>
-            </a:r>
-            <a:r>
-              <a:rPr lang="en-US" sz="1300" dirty="0"/>
-              <a:t> </a:t>
-            </a:r>
-            <a:r>
-              <a:rPr lang="en-US" sz="1300" dirty="0" err="1"/>
-              <a:t>buscar</a:t>
-            </a:r>
-            <a:r>
-              <a:rPr lang="en-US" sz="1300" dirty="0"/>
-              <a:t> a </a:t>
-            </a:r>
-            <a:r>
-              <a:rPr lang="en-US" sz="1300" dirty="0" err="1"/>
-              <a:t>benção</a:t>
-            </a:r>
-            <a:r>
-              <a:rPr lang="en-US" sz="1300" dirty="0"/>
-              <a:t> da </a:t>
-            </a:r>
-            <a:r>
-              <a:rPr lang="en-US" sz="1300" dirty="0" err="1"/>
-              <a:t>deusa</a:t>
-            </a:r>
-            <a:r>
-              <a:rPr lang="en-US" sz="1300" dirty="0"/>
-              <a:t> </a:t>
-            </a:r>
-            <a:r>
-              <a:rPr lang="en-US" sz="1300" dirty="0" err="1"/>
-              <a:t>Ceuci</a:t>
-            </a:r>
-            <a:r>
-              <a:rPr lang="en-US" sz="1300" dirty="0"/>
-              <a:t> para </a:t>
-            </a:r>
-            <a:r>
-              <a:rPr lang="en-US" sz="1300" dirty="0" err="1"/>
-              <a:t>proteger</a:t>
-            </a:r>
-            <a:r>
-              <a:rPr lang="en-US" sz="1300" dirty="0"/>
-              <a:t> a </a:t>
-            </a:r>
-            <a:r>
-              <a:rPr lang="en-US" sz="1300" dirty="0" err="1"/>
-              <a:t>aldeia</a:t>
-            </a:r>
-            <a:r>
-              <a:rPr lang="en-US" sz="1300" dirty="0"/>
-              <a:t> dos </a:t>
-            </a:r>
-            <a:r>
-              <a:rPr lang="en-US" sz="1300" dirty="0" err="1"/>
-              <a:t>ataques</a:t>
             </a:r>
             <a:r>
               <a:rPr lang="en-US" sz="1300" dirty="0"/>
               <a:t>.</a:t>
             </a:r>
-          </a:p>
-          <a:p>
-            <a:pPr marL="457200" lvl="1" indent="0">
-              <a:lnSpc>
-                <a:spcPct val="100000"/>
-              </a:lnSpc>
-              <a:buNone/>
-            </a:pPr>
             <a:endParaRPr lang="pt-BR" sz="1300" dirty="0"/>
           </a:p>
           <a:p>
@@ -9228,19 +9043,11 @@
             </a:r>
             <a:r>
               <a:rPr lang="pt-BR" sz="1300" dirty="0" err="1"/>
-              <a:t>wave</a:t>
+              <a:t>waves</a:t>
             </a:r>
             <a:r>
               <a:rPr lang="pt-BR" sz="1300" dirty="0"/>
-              <a:t> durante o dia.  A cada dia, o </a:t>
-            </a:r>
-            <a:r>
-              <a:rPr lang="pt-BR" sz="1300" dirty="0" err="1"/>
-              <a:t>wave</a:t>
-            </a:r>
-            <a:r>
-              <a:rPr lang="pt-BR" sz="1300" dirty="0"/>
-              <a:t> é maior.</a:t>
+              <a:t> durante o dia.  A cada dia, o número de inimigos é maior.</a:t>
             </a:r>
           </a:p>
           <a:p>
@@ -9270,15 +9077,7 @@
             </a:pPr>
             <a:r>
               <a:rPr lang="pt-BR" sz="1300" dirty="0"/>
-              <a:t>O jogador pode atacar o inimigo com um ataque que possui cool </a:t>
-            </a:r>
-            <a:r>
-              <a:rPr lang="pt-BR" sz="1300" dirty="0" err="1"/>
-              <a:t>down</a:t>
-            </a:r>
-            <a:r>
-              <a:rPr lang="pt-BR" sz="1300" dirty="0"/>
-              <a:t>.</a:t>
+              <a:t>O jogador pode atacar o inimigo com um ataque mágico que requer recarga.</a:t>
             </a:r>
           </a:p>
         </p:txBody>
@@ -10201,7 +10000,7 @@
           <a:p>
             <a:r>
               <a:rPr lang="pt-BR" dirty="0"/>
-              <a:t>Pelo conteúdo qualquer um pode jogar. Mas é voltado para o publico jovem (+-15 à 30 anos), pela proposta de conscientização ambiental.</a:t>
+              <a:t>Pelo conteúdo qualquer um pode jogar. Mas é voltado para o publico jovem (+-15 à 30 anos), pela proposta de conscientização ambiental e cultural.</a:t>
             </a:r>
           </a:p>
         </p:txBody>
@@ -11402,13 +11201,7 @@
           <a:p>
             <a:r>
               <a:rPr lang="pt-BR" dirty="0"/>
-              <a:t>Não há custo de ferramentas.</a:t>
-            </a:r>
-          </a:p>
-          <a:p>
-            <a:r>
-              <a:rPr lang="pt-BR" dirty="0"/>
-              <a:t>Custos: publicação na </a:t>
+              <a:t>Não há custo de ferramentas, apenas custos de publicação na </a:t>
             </a:r>
             <a:r>
               <a:rPr lang="pt-BR" dirty="0" err="1"/>
@@ -11451,10 +11244,10 @@
       </p:sp>
       <p:pic>
         <p:nvPicPr>
-          <p:cNvPr id="4" name="Picture 3">
+          <p:cNvPr id="8" name="Picture 7" descr="Chromatic Path logo">
             <a:extLst>
               <a:ext uri="{FF2B5EF4-FFF2-40B4-BE49-F238E27FC236}">
-                <a16:creationId xmlns:a16="http://schemas.microsoft.com/office/drawing/2014/main" id="{71559376-7D37-3946-B86E-67B7159226C7}"/>
+                <a16:creationId xmlns:a16="http://schemas.microsoft.com/office/drawing/2014/main" id="{39797E32-55B0-B74B-B210-B83EE9AE9499}"/>
               </a:ext>
             </a:extLst>
           </p:cNvPr>
@@ -11471,8 +11264,8 @@
         </p:blipFill>
         <p:spPr>
           <a:xfrm>
-            <a:off x="6712226" y="4572779"/>
-            <a:ext cx="4717774" cy="1902836"/>
+            <a:off x="8180173" y="4563466"/>
+            <a:ext cx="2849434" cy="1727610"/>
           </a:xfrm>
           <a:prstGeom prst="rect">
             <a:avLst/>
